--- a/KevinBurns/Charts, Graphs, and Images/Flow Charts.pptx
+++ b/KevinBurns/Charts, Graphs, and Images/Flow Charts.pptx
@@ -245,7 +245,7 @@
           <a:p>
             <a:fld id="{2F28E5DD-2231-47B7-9869-75BEF6716AEF}" type="datetimeFigureOut">
               <a:rPr lang="en-US" smtClean="0"/>
-              <a:t>9/18/2016</a:t>
+              <a:t>9/25/2016</a:t>
             </a:fld>
             <a:endParaRPr lang="en-US"/>
           </a:p>
@@ -415,7 +415,7 @@
           <a:p>
             <a:fld id="{2F28E5DD-2231-47B7-9869-75BEF6716AEF}" type="datetimeFigureOut">
               <a:rPr lang="en-US" smtClean="0"/>
-              <a:t>9/18/2016</a:t>
+              <a:t>9/25/2016</a:t>
             </a:fld>
             <a:endParaRPr lang="en-US"/>
           </a:p>
@@ -595,7 +595,7 @@
           <a:p>
             <a:fld id="{2F28E5DD-2231-47B7-9869-75BEF6716AEF}" type="datetimeFigureOut">
               <a:rPr lang="en-US" smtClean="0"/>
-              <a:t>9/18/2016</a:t>
+              <a:t>9/25/2016</a:t>
             </a:fld>
             <a:endParaRPr lang="en-US"/>
           </a:p>
@@ -765,7 +765,7 @@
           <a:p>
             <a:fld id="{2F28E5DD-2231-47B7-9869-75BEF6716AEF}" type="datetimeFigureOut">
               <a:rPr lang="en-US" smtClean="0"/>
-              <a:t>9/18/2016</a:t>
+              <a:t>9/25/2016</a:t>
             </a:fld>
             <a:endParaRPr lang="en-US"/>
           </a:p>
@@ -1011,7 +1011,7 @@
           <a:p>
             <a:fld id="{2F28E5DD-2231-47B7-9869-75BEF6716AEF}" type="datetimeFigureOut">
               <a:rPr lang="en-US" smtClean="0"/>
-              <a:t>9/18/2016</a:t>
+              <a:t>9/25/2016</a:t>
             </a:fld>
             <a:endParaRPr lang="en-US"/>
           </a:p>
@@ -1243,7 +1243,7 @@
           <a:p>
             <a:fld id="{2F28E5DD-2231-47B7-9869-75BEF6716AEF}" type="datetimeFigureOut">
               <a:rPr lang="en-US" smtClean="0"/>
-              <a:t>9/18/2016</a:t>
+              <a:t>9/25/2016</a:t>
             </a:fld>
             <a:endParaRPr lang="en-US"/>
           </a:p>
@@ -1610,7 +1610,7 @@
           <a:p>
             <a:fld id="{2F28E5DD-2231-47B7-9869-75BEF6716AEF}" type="datetimeFigureOut">
               <a:rPr lang="en-US" smtClean="0"/>
-              <a:t>9/18/2016</a:t>
+              <a:t>9/25/2016</a:t>
             </a:fld>
             <a:endParaRPr lang="en-US"/>
           </a:p>
@@ -1728,7 +1728,7 @@
           <a:p>
             <a:fld id="{2F28E5DD-2231-47B7-9869-75BEF6716AEF}" type="datetimeFigureOut">
               <a:rPr lang="en-US" smtClean="0"/>
-              <a:t>9/18/2016</a:t>
+              <a:t>9/25/2016</a:t>
             </a:fld>
             <a:endParaRPr lang="en-US"/>
           </a:p>
@@ -1823,7 +1823,7 @@
           <a:p>
             <a:fld id="{2F28E5DD-2231-47B7-9869-75BEF6716AEF}" type="datetimeFigureOut">
               <a:rPr lang="en-US" smtClean="0"/>
-              <a:t>9/18/2016</a:t>
+              <a:t>9/25/2016</a:t>
             </a:fld>
             <a:endParaRPr lang="en-US"/>
           </a:p>
@@ -2100,7 +2100,7 @@
           <a:p>
             <a:fld id="{2F28E5DD-2231-47B7-9869-75BEF6716AEF}" type="datetimeFigureOut">
               <a:rPr lang="en-US" smtClean="0"/>
-              <a:t>9/18/2016</a:t>
+              <a:t>9/25/2016</a:t>
             </a:fld>
             <a:endParaRPr lang="en-US"/>
           </a:p>
@@ -2353,7 +2353,7 @@
           <a:p>
             <a:fld id="{2F28E5DD-2231-47B7-9869-75BEF6716AEF}" type="datetimeFigureOut">
               <a:rPr lang="en-US" smtClean="0"/>
-              <a:t>9/18/2016</a:t>
+              <a:t>9/25/2016</a:t>
             </a:fld>
             <a:endParaRPr lang="en-US"/>
           </a:p>
@@ -2566,7 +2566,7 @@
           <a:p>
             <a:fld id="{2F28E5DD-2231-47B7-9869-75BEF6716AEF}" type="datetimeFigureOut">
               <a:rPr lang="en-US" smtClean="0"/>
-              <a:t>9/18/2016</a:t>
+              <a:t>9/25/2016</a:t>
             </a:fld>
             <a:endParaRPr lang="en-US"/>
           </a:p>
@@ -3009,11 +3009,7 @@
             <a:pPr algn="ctr"/>
             <a:r>
               <a:rPr lang="en-US" dirty="0" smtClean="0"/>
-              <a:t>System </a:t>
-            </a:r>
-            <a:r>
-              <a:rPr lang="en-US" dirty="0" smtClean="0"/>
-              <a:t>Startup Error Handling</a:t>
+              <a:t>System Startup Error Handling</a:t>
             </a:r>
             <a:endParaRPr lang="en-US" dirty="0"/>
           </a:p>
@@ -3093,11 +3089,7 @@
             <a:pPr algn="ctr"/>
             <a:r>
               <a:rPr lang="en-US" dirty="0" smtClean="0"/>
-              <a:t>IMU Error </a:t>
-            </a:r>
-            <a:r>
-              <a:rPr lang="en-US" dirty="0" smtClean="0"/>
-              <a:t>Handling</a:t>
+              <a:t>IMU Error Handling</a:t>
             </a:r>
             <a:endParaRPr lang="en-US" dirty="0"/>
           </a:p>
@@ -3146,11 +3138,7 @@
             <a:pPr algn="ctr"/>
             <a:r>
               <a:rPr lang="en-US" dirty="0" smtClean="0"/>
-              <a:t>Kinect Error </a:t>
-            </a:r>
-            <a:r>
-              <a:rPr lang="en-US" dirty="0" smtClean="0"/>
-              <a:t>Handling</a:t>
+              <a:t>Kinect Error Handling</a:t>
             </a:r>
             <a:endParaRPr lang="en-US" dirty="0"/>
           </a:p>
@@ -3194,11 +3182,7 @@
             <a:pPr algn="ctr"/>
             <a:r>
               <a:rPr lang="en-US" dirty="0" smtClean="0"/>
-              <a:t>Data </a:t>
-            </a:r>
-            <a:r>
-              <a:rPr lang="en-US" dirty="0" smtClean="0"/>
-              <a:t>Handling Instructions</a:t>
+              <a:t>Data Handling Instructions</a:t>
             </a:r>
             <a:endParaRPr lang="en-US" dirty="0"/>
           </a:p>
@@ -4271,51 +4255,22 @@
       </p:grpSpPr>
       <p:sp>
         <p:nvSpPr>
-          <p:cNvPr id="2" name="TextBox 1"/>
-          <p:cNvSpPr txBox="1"/>
-          <p:nvPr/>
-        </p:nvSpPr>
-        <p:spPr>
-          <a:xfrm>
-            <a:off x="4084320" y="221673"/>
-            <a:ext cx="3175462" cy="369332"/>
+          <p:cNvPr id="32" name="Rectangle 31"/>
+          <p:cNvSpPr/>
+          <p:nvPr/>
+        </p:nvSpPr>
+        <p:spPr>
+          <a:xfrm>
+            <a:off x="3607723" y="1717957"/>
+            <a:ext cx="4294909" cy="1213658"/>
           </a:xfrm>
           <a:prstGeom prst="rect">
             <a:avLst/>
           </a:prstGeom>
-          <a:noFill/>
-        </p:spPr>
-        <p:txBody>
-          <a:bodyPr wrap="square" rtlCol="0">
-            <a:spAutoFit/>
-          </a:bodyPr>
-          <a:lstStyle/>
-          <a:p>
-            <a:pPr algn="ctr"/>
-            <a:r>
-              <a:rPr lang="en-US" dirty="0" smtClean="0"/>
-              <a:t>Signal Syncing Subsystem</a:t>
-            </a:r>
-          </a:p>
-        </p:txBody>
-      </p:sp>
-      <p:sp>
-        <p:nvSpPr>
-          <p:cNvPr id="3" name="Rectangle 2"/>
-          <p:cNvSpPr/>
-          <p:nvPr/>
-        </p:nvSpPr>
-        <p:spPr>
-          <a:xfrm>
-            <a:off x="4100945" y="831272"/>
-            <a:ext cx="3275215" cy="748145"/>
-          </a:xfrm>
-          <a:prstGeom prst="rect">
-            <a:avLst/>
-          </a:prstGeom>
           <a:solidFill>
-            <a:schemeClr val="accent6">
-              <a:lumMod val="50000"/>
+            <a:schemeClr val="accent4">
+              <a:lumMod val="75000"/>
+              <a:alpha val="50000"/>
             </a:schemeClr>
           </a:solidFill>
         </p:spPr>
@@ -4340,35 +4295,29 @@
           <a:lstStyle/>
           <a:p>
             <a:pPr algn="ctr"/>
-            <a:r>
-              <a:rPr lang="en-US" dirty="0" smtClean="0"/>
-              <a:t>Access </a:t>
-            </a:r>
-            <a:r>
-              <a:rPr lang="en-US" dirty="0" smtClean="0"/>
-              <a:t>Sensor Data</a:t>
-            </a:r>
-            <a:endParaRPr lang="en-US" dirty="0"/>
-          </a:p>
-        </p:txBody>
-      </p:sp>
-      <p:sp>
-        <p:nvSpPr>
-          <p:cNvPr id="7" name="Rectangle 6"/>
+            <a:endParaRPr lang="en-US"/>
+          </a:p>
+        </p:txBody>
+      </p:sp>
+      <p:sp>
+        <p:nvSpPr>
+          <p:cNvPr id="4" name="Rectangle 3"/>
           <p:cNvSpPr/>
           <p:nvPr/>
         </p:nvSpPr>
         <p:spPr>
           <a:xfrm>
-            <a:off x="1016925" y="831272"/>
-            <a:ext cx="1737360" cy="748146"/>
+            <a:off x="3607724" y="3967942"/>
+            <a:ext cx="4294909" cy="1213658"/>
           </a:xfrm>
           <a:prstGeom prst="rect">
             <a:avLst/>
           </a:prstGeom>
           <a:solidFill>
             <a:schemeClr val="accent6">
-              <a:lumMod val="50000"/>
+              <a:lumMod val="60000"/>
+              <a:lumOff val="40000"/>
+              <a:alpha val="50000"/>
             </a:schemeClr>
           </a:solidFill>
         </p:spPr>
@@ -4393,6 +4342,130 @@
           <a:lstStyle/>
           <a:p>
             <a:pPr algn="ctr"/>
+            <a:endParaRPr lang="en-US"/>
+          </a:p>
+        </p:txBody>
+      </p:sp>
+      <p:sp>
+        <p:nvSpPr>
+          <p:cNvPr id="2" name="TextBox 1"/>
+          <p:cNvSpPr txBox="1"/>
+          <p:nvPr/>
+        </p:nvSpPr>
+        <p:spPr>
+          <a:xfrm>
+            <a:off x="4084320" y="221673"/>
+            <a:ext cx="3175462" cy="369332"/>
+          </a:xfrm>
+          <a:prstGeom prst="rect">
+            <a:avLst/>
+          </a:prstGeom>
+          <a:noFill/>
+        </p:spPr>
+        <p:txBody>
+          <a:bodyPr wrap="square" rtlCol="0">
+            <a:spAutoFit/>
+          </a:bodyPr>
+          <a:lstStyle/>
+          <a:p>
+            <a:pPr algn="ctr"/>
+            <a:r>
+              <a:rPr lang="en-US" dirty="0" smtClean="0"/>
+              <a:t>Signal Syncing Subsystem</a:t>
+            </a:r>
+          </a:p>
+        </p:txBody>
+      </p:sp>
+      <p:sp>
+        <p:nvSpPr>
+          <p:cNvPr id="3" name="Rectangle 2"/>
+          <p:cNvSpPr/>
+          <p:nvPr/>
+        </p:nvSpPr>
+        <p:spPr>
+          <a:xfrm>
+            <a:off x="4100945" y="831272"/>
+            <a:ext cx="3275215" cy="748145"/>
+          </a:xfrm>
+          <a:prstGeom prst="rect">
+            <a:avLst/>
+          </a:prstGeom>
+          <a:solidFill>
+            <a:schemeClr val="accent6">
+              <a:lumMod val="50000"/>
+            </a:schemeClr>
+          </a:solidFill>
+        </p:spPr>
+        <p:style>
+          <a:lnRef idx="2">
+            <a:schemeClr val="accent1">
+              <a:shade val="50000"/>
+            </a:schemeClr>
+          </a:lnRef>
+          <a:fillRef idx="1">
+            <a:schemeClr val="accent1"/>
+          </a:fillRef>
+          <a:effectRef idx="0">
+            <a:schemeClr val="accent1"/>
+          </a:effectRef>
+          <a:fontRef idx="minor">
+            <a:schemeClr val="lt1"/>
+          </a:fontRef>
+        </p:style>
+        <p:txBody>
+          <a:bodyPr rtlCol="0" anchor="ctr"/>
+          <a:lstStyle/>
+          <a:p>
+            <a:pPr algn="ctr"/>
+            <a:r>
+              <a:rPr lang="en-US" dirty="0" smtClean="0"/>
+              <a:t>Access Sensor Data</a:t>
+            </a:r>
+            <a:endParaRPr lang="en-US" dirty="0"/>
+          </a:p>
+        </p:txBody>
+      </p:sp>
+      <p:sp>
+        <p:nvSpPr>
+          <p:cNvPr id="7" name="Rectangle 6"/>
+          <p:cNvSpPr/>
+          <p:nvPr/>
+        </p:nvSpPr>
+        <p:spPr>
+          <a:xfrm>
+            <a:off x="1016925" y="831272"/>
+            <a:ext cx="1737360" cy="748146"/>
+          </a:xfrm>
+          <a:prstGeom prst="rect">
+            <a:avLst/>
+          </a:prstGeom>
+          <a:solidFill>
+            <a:schemeClr val="accent6">
+              <a:lumMod val="50000"/>
+            </a:schemeClr>
+          </a:solidFill>
+        </p:spPr>
+        <p:style>
+          <a:lnRef idx="2">
+            <a:schemeClr val="accent1">
+              <a:shade val="50000"/>
+            </a:schemeClr>
+          </a:lnRef>
+          <a:fillRef idx="1">
+            <a:schemeClr val="accent1"/>
+          </a:fillRef>
+          <a:effectRef idx="0">
+            <a:schemeClr val="accent1"/>
+          </a:effectRef>
+          <a:fontRef idx="minor">
+            <a:schemeClr val="lt1"/>
+          </a:fontRef>
+        </p:style>
+        <p:txBody>
+          <a:bodyPr rtlCol="0" anchor="ctr"/>
+          <a:lstStyle/>
+          <a:p>
+            <a:pPr algn="ctr"/>
             <a:r>
               <a:rPr lang="en-US" dirty="0" smtClean="0"/>
               <a:t>Sensor Data Bank</a:t>
@@ -4523,11 +4596,7 @@
             </a:r>
             <a:r>
               <a:rPr lang="en-US" dirty="0" smtClean="0"/>
-              <a:t>IMU Dat</a:t>
-            </a:r>
-            <a:r>
-              <a:rPr lang="en-US" dirty="0" smtClean="0"/>
-              <a:t>a from Velocity to Position</a:t>
+              <a:t>Kinect Data from Position to Angular Velocity</a:t>
             </a:r>
             <a:endParaRPr lang="en-US" dirty="0"/>
           </a:p>
@@ -4960,7 +5029,7 @@
         </p:nvSpPr>
         <p:spPr>
           <a:xfrm>
-            <a:off x="7752430" y="1795147"/>
+            <a:off x="7830015" y="1821468"/>
             <a:ext cx="455574" cy="369332"/>
           </a:xfrm>
           <a:prstGeom prst="rect">
@@ -5012,6 +5081,145 @@
           </a:p>
         </p:txBody>
       </p:sp>
+      <p:cxnSp>
+        <p:nvCxnSpPr>
+          <p:cNvPr id="20" name="Straight Connector 19"/>
+          <p:cNvCxnSpPr>
+            <a:stCxn id="4" idx="3"/>
+          </p:cNvCxnSpPr>
+          <p:nvPr/>
+        </p:nvCxnSpPr>
+        <p:spPr>
+          <a:xfrm flipV="1">
+            <a:off x="7902633" y="4325815"/>
+            <a:ext cx="1220265" cy="248956"/>
+          </a:xfrm>
+          <a:prstGeom prst="line">
+            <a:avLst/>
+          </a:prstGeom>
+          <a:ln>
+            <a:solidFill>
+              <a:schemeClr val="tx1">
+                <a:lumMod val="95000"/>
+                <a:lumOff val="5000"/>
+              </a:schemeClr>
+            </a:solidFill>
+          </a:ln>
+        </p:spPr>
+        <p:style>
+          <a:lnRef idx="1">
+            <a:schemeClr val="accent1"/>
+          </a:lnRef>
+          <a:fillRef idx="0">
+            <a:schemeClr val="accent1"/>
+          </a:fillRef>
+          <a:effectRef idx="0">
+            <a:schemeClr val="accent1"/>
+          </a:effectRef>
+          <a:fontRef idx="minor">
+            <a:schemeClr val="tx1"/>
+          </a:fontRef>
+        </p:style>
+      </p:cxnSp>
+      <p:sp>
+        <p:nvSpPr>
+          <p:cNvPr id="22" name="TextBox 21"/>
+          <p:cNvSpPr txBox="1"/>
+          <p:nvPr/>
+        </p:nvSpPr>
+        <p:spPr>
+          <a:xfrm>
+            <a:off x="9094763" y="4065563"/>
+            <a:ext cx="1674055" cy="707886"/>
+          </a:xfrm>
+          <a:prstGeom prst="rect">
+            <a:avLst/>
+          </a:prstGeom>
+          <a:noFill/>
+        </p:spPr>
+        <p:txBody>
+          <a:bodyPr wrap="square" rtlCol="0">
+            <a:spAutoFit/>
+          </a:bodyPr>
+          <a:lstStyle/>
+          <a:p>
+            <a:r>
+              <a:rPr lang="en-US" sz="2000" dirty="0" smtClean="0"/>
+              <a:t>In C#, ready for integration</a:t>
+            </a:r>
+            <a:endParaRPr lang="en-US" sz="2000" dirty="0"/>
+          </a:p>
+        </p:txBody>
+      </p:sp>
+      <p:sp>
+        <p:nvSpPr>
+          <p:cNvPr id="29" name="TextBox 28"/>
+          <p:cNvSpPr txBox="1"/>
+          <p:nvPr/>
+        </p:nvSpPr>
+        <p:spPr>
+          <a:xfrm>
+            <a:off x="1117751" y="1907838"/>
+            <a:ext cx="2164390" cy="707886"/>
+          </a:xfrm>
+          <a:prstGeom prst="rect">
+            <a:avLst/>
+          </a:prstGeom>
+          <a:noFill/>
+        </p:spPr>
+        <p:txBody>
+          <a:bodyPr wrap="square" rtlCol="0">
+            <a:spAutoFit/>
+          </a:bodyPr>
+          <a:lstStyle/>
+          <a:p>
+            <a:r>
+              <a:rPr lang="en-US" sz="2000" dirty="0" smtClean="0"/>
+              <a:t>In MATLAB, needs to convert to C#</a:t>
+            </a:r>
+            <a:endParaRPr lang="en-US" sz="2000" dirty="0"/>
+          </a:p>
+        </p:txBody>
+      </p:sp>
+      <p:cxnSp>
+        <p:nvCxnSpPr>
+          <p:cNvPr id="27" name="Straight Connector 26"/>
+          <p:cNvCxnSpPr>
+            <a:stCxn id="32" idx="1"/>
+          </p:cNvCxnSpPr>
+          <p:nvPr/>
+        </p:nvCxnSpPr>
+        <p:spPr>
+          <a:xfrm flipH="1" flipV="1">
+            <a:off x="3080825" y="2261781"/>
+            <a:ext cx="526898" cy="63005"/>
+          </a:xfrm>
+          <a:prstGeom prst="line">
+            <a:avLst/>
+          </a:prstGeom>
+          <a:ln>
+            <a:solidFill>
+              <a:schemeClr val="tx2">
+                <a:lumMod val="50000"/>
+              </a:schemeClr>
+            </a:solidFill>
+          </a:ln>
+        </p:spPr>
+        <p:style>
+          <a:lnRef idx="1">
+            <a:schemeClr val="accent1"/>
+          </a:lnRef>
+          <a:fillRef idx="0">
+            <a:schemeClr val="accent1"/>
+          </a:fillRef>
+          <a:effectRef idx="0">
+            <a:schemeClr val="accent1"/>
+          </a:effectRef>
+          <a:fontRef idx="minor">
+            <a:schemeClr val="tx1"/>
+          </a:fontRef>
+        </p:style>
+      </p:cxnSp>
     </p:spTree>
     <p:extLst>
       <p:ext uri="{BB962C8B-B14F-4D97-AF65-F5344CB8AC3E}">
@@ -5156,19 +5364,7 @@
             <a:pPr algn="ctr"/>
             <a:r>
               <a:rPr lang="en-US" dirty="0" smtClean="0"/>
-              <a:t>Access Synced </a:t>
-            </a:r>
-            <a:r>
-              <a:rPr lang="en-US" dirty="0" smtClean="0"/>
-              <a:t>IMU Sensor </a:t>
-            </a:r>
-            <a:r>
-              <a:rPr lang="en-US" dirty="0" smtClean="0"/>
-              <a:t>1 </a:t>
-            </a:r>
-            <a:r>
-              <a:rPr lang="en-US" dirty="0" smtClean="0"/>
-              <a:t>Data</a:t>
+              <a:t>Access Synced IMU Sensor 1 Data</a:t>
             </a:r>
             <a:endParaRPr lang="en-US" dirty="0"/>
           </a:p>
@@ -5389,15 +5585,7 @@
                   <a:schemeClr val="tx1"/>
                 </a:solidFill>
               </a:rPr>
-              <a:t>Repeat for </a:t>
-            </a:r>
-            <a:r>
-              <a:rPr lang="en-US" dirty="0" smtClean="0">
-                <a:solidFill>
-                  <a:schemeClr val="tx1"/>
-                </a:solidFill>
-              </a:rPr>
-              <a:t>IMU Sensor 2</a:t>
+              <a:t>Repeat for IMU Sensor 2</a:t>
             </a:r>
             <a:endParaRPr lang="en-US" dirty="0">
               <a:solidFill>
